--- a/session4/presentaion/Internet_Of_Things.pptx
+++ b/session4/presentaion/Internet_Of_Things.pptx
@@ -274,7 +274,7 @@
           <a:p>
             <a:fld id="{1139FA4A-C808-4981-8BA9-64217A6CCEA7}" type="datetimeFigureOut">
               <a:rPr lang="en-US" smtClean="0"/>
-              <a:t>12/14/2017</a:t>
+              <a:t>3/26/2018</a:t>
             </a:fld>
             <a:endParaRPr lang="en-US"/>
           </a:p>
@@ -442,7 +442,7 @@
           <a:p>
             <a:fld id="{1139FA4A-C808-4981-8BA9-64217A6CCEA7}" type="datetimeFigureOut">
               <a:rPr lang="en-US" smtClean="0"/>
-              <a:t>12/14/2017</a:t>
+              <a:t>3/26/2018</a:t>
             </a:fld>
             <a:endParaRPr lang="en-US"/>
           </a:p>
@@ -620,7 +620,7 @@
           <a:p>
             <a:fld id="{1139FA4A-C808-4981-8BA9-64217A6CCEA7}" type="datetimeFigureOut">
               <a:rPr lang="en-US" smtClean="0"/>
-              <a:t>12/14/2017</a:t>
+              <a:t>3/26/2018</a:t>
             </a:fld>
             <a:endParaRPr lang="en-US"/>
           </a:p>
@@ -788,7 +788,7 @@
           <a:p>
             <a:fld id="{1139FA4A-C808-4981-8BA9-64217A6CCEA7}" type="datetimeFigureOut">
               <a:rPr lang="en-US" smtClean="0"/>
-              <a:t>12/14/2017</a:t>
+              <a:t>3/26/2018</a:t>
             </a:fld>
             <a:endParaRPr lang="en-US"/>
           </a:p>
@@ -1033,7 +1033,7 @@
           <a:p>
             <a:fld id="{1139FA4A-C808-4981-8BA9-64217A6CCEA7}" type="datetimeFigureOut">
               <a:rPr lang="en-US" smtClean="0"/>
-              <a:t>12/14/2017</a:t>
+              <a:t>3/26/2018</a:t>
             </a:fld>
             <a:endParaRPr lang="en-US"/>
           </a:p>
@@ -1262,7 +1262,7 @@
           <a:p>
             <a:fld id="{1139FA4A-C808-4981-8BA9-64217A6CCEA7}" type="datetimeFigureOut">
               <a:rPr lang="en-US" smtClean="0"/>
-              <a:t>12/14/2017</a:t>
+              <a:t>3/26/2018</a:t>
             </a:fld>
             <a:endParaRPr lang="en-US"/>
           </a:p>
@@ -1626,7 +1626,7 @@
           <a:p>
             <a:fld id="{1139FA4A-C808-4981-8BA9-64217A6CCEA7}" type="datetimeFigureOut">
               <a:rPr lang="en-US" smtClean="0"/>
-              <a:t>12/14/2017</a:t>
+              <a:t>3/26/2018</a:t>
             </a:fld>
             <a:endParaRPr lang="en-US"/>
           </a:p>
@@ -1743,7 +1743,7 @@
           <a:p>
             <a:fld id="{1139FA4A-C808-4981-8BA9-64217A6CCEA7}" type="datetimeFigureOut">
               <a:rPr lang="en-US" smtClean="0"/>
-              <a:t>12/14/2017</a:t>
+              <a:t>3/26/2018</a:t>
             </a:fld>
             <a:endParaRPr lang="en-US"/>
           </a:p>
@@ -1838,7 +1838,7 @@
           <a:p>
             <a:fld id="{1139FA4A-C808-4981-8BA9-64217A6CCEA7}" type="datetimeFigureOut">
               <a:rPr lang="en-US" smtClean="0"/>
-              <a:t>12/14/2017</a:t>
+              <a:t>3/26/2018</a:t>
             </a:fld>
             <a:endParaRPr lang="en-US"/>
           </a:p>
@@ -2113,7 +2113,7 @@
           <a:p>
             <a:fld id="{1139FA4A-C808-4981-8BA9-64217A6CCEA7}" type="datetimeFigureOut">
               <a:rPr lang="en-US" smtClean="0"/>
-              <a:t>12/14/2017</a:t>
+              <a:t>3/26/2018</a:t>
             </a:fld>
             <a:endParaRPr lang="en-US"/>
           </a:p>
@@ -2365,7 +2365,7 @@
           <a:p>
             <a:fld id="{1139FA4A-C808-4981-8BA9-64217A6CCEA7}" type="datetimeFigureOut">
               <a:rPr lang="en-US" smtClean="0"/>
-              <a:t>12/14/2017</a:t>
+              <a:t>3/26/2018</a:t>
             </a:fld>
             <a:endParaRPr lang="en-US"/>
           </a:p>
@@ -2576,7 +2576,7 @@
           <a:p>
             <a:fld id="{1139FA4A-C808-4981-8BA9-64217A6CCEA7}" type="datetimeFigureOut">
               <a:rPr lang="en-US" smtClean="0"/>
-              <a:t>12/14/2017</a:t>
+              <a:t>3/26/2018</a:t>
             </a:fld>
             <a:endParaRPr lang="en-US"/>
           </a:p>
@@ -3016,14 +3016,38 @@
           <a:lstStyle/>
           <a:p>
             <a:r>
-              <a:rPr lang="en-US" dirty="0"/>
+              <a:rPr lang="en-US" b="1" dirty="0">
+                <a:effectLst>
+                  <a:outerShdw blurRad="38100" dist="38100" dir="2700000" algn="tl">
+                    <a:srgbClr val="000000">
+                      <a:alpha val="43137"/>
+                    </a:srgbClr>
+                  </a:outerShdw>
+                </a:effectLst>
+              </a:rPr>
               <a:t>Internet Of</a:t>
             </a:r>
             <a:br>
-              <a:rPr lang="en-US" dirty="0"/>
+              <a:rPr lang="en-US" b="1" dirty="0">
+                <a:effectLst>
+                  <a:outerShdw blurRad="38100" dist="38100" dir="2700000" algn="tl">
+                    <a:srgbClr val="000000">
+                      <a:alpha val="43137"/>
+                    </a:srgbClr>
+                  </a:outerShdw>
+                </a:effectLst>
+              </a:rPr>
             </a:br>
             <a:r>
-              <a:rPr lang="en-US" dirty="0"/>
+              <a:rPr lang="en-US" b="1" dirty="0">
+                <a:effectLst>
+                  <a:outerShdw blurRad="38100" dist="38100" dir="2700000" algn="tl">
+                    <a:srgbClr val="000000">
+                      <a:alpha val="43137"/>
+                    </a:srgbClr>
+                  </a:outerShdw>
+                </a:effectLst>
+              </a:rPr>
               <a:t>things</a:t>
             </a:r>
           </a:p>
@@ -3314,7 +3338,15 @@
           </a:lstStyle>
           <a:p>
             <a:r>
-              <a:rPr lang="en-US" b="1" dirty="0"/>
+              <a:rPr lang="en-US" b="1" dirty="0">
+                <a:effectLst>
+                  <a:outerShdw blurRad="38100" dist="38100" dir="2700000" algn="tl">
+                    <a:srgbClr val="000000">
+                      <a:alpha val="43137"/>
+                    </a:srgbClr>
+                  </a:outerShdw>
+                </a:effectLst>
+              </a:rPr>
               <a:t>Getting Dweets</a:t>
             </a:r>
           </a:p>
@@ -3662,7 +3694,15 @@
           </a:lstStyle>
           <a:p>
             <a:r>
-              <a:rPr lang="en-US" b="1" dirty="0"/>
+              <a:rPr lang="en-US" b="1" dirty="0">
+                <a:effectLst>
+                  <a:outerShdw blurRad="38100" dist="38100" dir="2700000" algn="tl">
+                    <a:srgbClr val="000000">
+                      <a:alpha val="43137"/>
+                    </a:srgbClr>
+                  </a:outerShdw>
+                </a:effectLst>
+              </a:rPr>
               <a:t>Real-time Streams</a:t>
             </a:r>
           </a:p>
@@ -4096,7 +4136,15 @@
           </a:lstStyle>
           <a:p>
             <a:r>
-              <a:rPr lang="en-US" b="1" dirty="0"/>
+              <a:rPr lang="en-US" b="1" dirty="0">
+                <a:effectLst>
+                  <a:outerShdw blurRad="38100" dist="38100" dir="2700000" algn="tl">
+                    <a:srgbClr val="000000">
+                      <a:alpha val="43137"/>
+                    </a:srgbClr>
+                  </a:outerShdw>
+                </a:effectLst>
+              </a:rPr>
               <a:t>Client Libraries</a:t>
             </a:r>
           </a:p>
@@ -4448,10 +4496,26 @@
           </a:lstStyle>
           <a:p>
             <a:r>
-              <a:rPr lang="en-US" b="1" dirty="0" smtClean="0"/>
+              <a:rPr lang="en-US" b="1" dirty="0" smtClean="0">
+                <a:effectLst>
+                  <a:outerShdw blurRad="38100" dist="38100" dir="2700000" algn="tl">
+                    <a:srgbClr val="000000">
+                      <a:alpha val="43137"/>
+                    </a:srgbClr>
+                  </a:outerShdw>
+                </a:effectLst>
+              </a:rPr>
               <a:t>Internet_Control Project</a:t>
             </a:r>
-            <a:endParaRPr lang="en-US" b="1" dirty="0"/>
+            <a:endParaRPr lang="en-US" b="1" dirty="0">
+              <a:effectLst>
+                <a:outerShdw blurRad="38100" dist="38100" dir="2700000" algn="tl">
+                  <a:srgbClr val="000000">
+                    <a:alpha val="43137"/>
+                  </a:srgbClr>
+                </a:outerShdw>
+              </a:effectLst>
+            </a:endParaRPr>
           </a:p>
         </p:txBody>
       </p:sp>
@@ -4562,7 +4626,6 @@
               <a:rPr lang="en-US" sz="2400" dirty="0" smtClean="0"/>
               <a:t>messaging between Server-Side application and Client-Side interface.</a:t>
             </a:r>
-            <a:endParaRPr lang="en-US" sz="2400" dirty="0" smtClean="0"/>
           </a:p>
         </p:txBody>
       </p:sp>
@@ -4732,14 +4795,38 @@
           </a:lstStyle>
           <a:p>
             <a:r>
-              <a:rPr lang="en-US" b="1" dirty="0"/>
+              <a:rPr lang="en-US" b="1" dirty="0">
+                <a:effectLst>
+                  <a:outerShdw blurRad="38100" dist="38100" dir="2700000" algn="tl">
+                    <a:srgbClr val="000000">
+                      <a:alpha val="43137"/>
+                    </a:srgbClr>
+                  </a:outerShdw>
+                </a:effectLst>
+              </a:rPr>
               <a:t>Dweet.html (</a:t>
             </a:r>
             <a:r>
-              <a:rPr lang="en-US" b="1" dirty="0" smtClean="0"/>
+              <a:rPr lang="en-US" b="1" dirty="0" smtClean="0">
+                <a:effectLst>
+                  <a:outerShdw blurRad="38100" dist="38100" dir="2700000" algn="tl">
+                    <a:srgbClr val="000000">
+                      <a:alpha val="43137"/>
+                    </a:srgbClr>
+                  </a:outerShdw>
+                </a:effectLst>
+              </a:rPr>
               <a:t>Client-Side)</a:t>
             </a:r>
-            <a:endParaRPr lang="en-US" b="1" dirty="0"/>
+            <a:endParaRPr lang="en-US" b="1" dirty="0">
+              <a:effectLst>
+                <a:outerShdw blurRad="38100" dist="38100" dir="2700000" algn="tl">
+                  <a:srgbClr val="000000">
+                    <a:alpha val="43137"/>
+                  </a:srgbClr>
+                </a:outerShdw>
+              </a:effectLst>
+            </a:endParaRPr>
           </a:p>
         </p:txBody>
       </p:sp>
@@ -4988,12 +5075,6 @@
               </a:rPr>
               <a:t>input type='button' onClick='dweet("https://dweet.io/dweet/for/rpi_course_iot_projects?led0=0&amp;led1=0&amp;led2=1")' value='LED 3'/&gt;</a:t>
             </a:r>
-            <a:endParaRPr lang="en-US" b="1" i="1" dirty="0">
-              <a:solidFill>
-                <a:srgbClr val="0070C0"/>
-              </a:solidFill>
-              <a:latin typeface="Consolas" panose="020B0609020204030204" pitchFamily="49" charset="0"/>
-            </a:endParaRPr>
           </a:p>
         </p:txBody>
       </p:sp>
@@ -5163,18 +5244,50 @@
           </a:lstStyle>
           <a:p>
             <a:r>
-              <a:rPr lang="en-US" b="1" dirty="0" smtClean="0"/>
+              <a:rPr lang="en-US" b="1" dirty="0" smtClean="0">
+                <a:effectLst>
+                  <a:outerShdw blurRad="38100" dist="38100" dir="2700000" algn="tl">
+                    <a:srgbClr val="000000">
+                      <a:alpha val="43137"/>
+                    </a:srgbClr>
+                  </a:outerShdw>
+                </a:effectLst>
+              </a:rPr>
               <a:t>Dweet.py </a:t>
             </a:r>
             <a:r>
-              <a:rPr lang="en-US" b="1" dirty="0"/>
+              <a:rPr lang="en-US" b="1" dirty="0">
+                <a:effectLst>
+                  <a:outerShdw blurRad="38100" dist="38100" dir="2700000" algn="tl">
+                    <a:srgbClr val="000000">
+                      <a:alpha val="43137"/>
+                    </a:srgbClr>
+                  </a:outerShdw>
+                </a:effectLst>
+              </a:rPr>
               <a:t>Project </a:t>
             </a:r>
             <a:r>
-              <a:rPr lang="en-US" b="1" dirty="0" smtClean="0"/>
+              <a:rPr lang="en-US" b="1" dirty="0" smtClean="0">
+                <a:effectLst>
+                  <a:outerShdw blurRad="38100" dist="38100" dir="2700000" algn="tl">
+                    <a:srgbClr val="000000">
+                      <a:alpha val="43137"/>
+                    </a:srgbClr>
+                  </a:outerShdw>
+                </a:effectLst>
+              </a:rPr>
               <a:t>(Server-Side)</a:t>
             </a:r>
-            <a:endParaRPr lang="en-US" b="1" dirty="0"/>
+            <a:endParaRPr lang="en-US" b="1" dirty="0">
+              <a:effectLst>
+                <a:outerShdw blurRad="38100" dist="38100" dir="2700000" algn="tl">
+                  <a:srgbClr val="000000">
+                    <a:alpha val="43137"/>
+                  </a:srgbClr>
+                </a:outerShdw>
+              </a:effectLst>
+            </a:endParaRPr>
           </a:p>
         </p:txBody>
       </p:sp>
@@ -5607,14 +5720,29 @@
           </a:lstStyle>
           <a:p>
             <a:r>
-              <a:rPr lang="en-US" b="1" dirty="0" smtClean="0"/>
+              <a:rPr lang="en-US" b="1" dirty="0" smtClean="0">
+                <a:effectLst>
+                  <a:outerShdw blurRad="38100" dist="38100" dir="2700000" algn="tl">
+                    <a:srgbClr val="000000">
+                      <a:alpha val="43137"/>
+                    </a:srgbClr>
+                  </a:outerShdw>
+                </a:effectLst>
+              </a:rPr>
               <a:t>Dweet.py </a:t>
             </a:r>
             <a:r>
-              <a:rPr lang="en-US" b="1" dirty="0"/>
+              <a:rPr lang="en-US" b="1" dirty="0">
+                <a:effectLst>
+                  <a:outerShdw blurRad="38100" dist="38100" dir="2700000" algn="tl">
+                    <a:srgbClr val="000000">
+                      <a:alpha val="43137"/>
+                    </a:srgbClr>
+                  </a:outerShdw>
+                </a:effectLst>
+              </a:rPr>
               <a:t>Project (Server-Side)</a:t>
             </a:r>
-            <a:endParaRPr lang="en-US" b="1" dirty="0"/>
           </a:p>
         </p:txBody>
       </p:sp>
@@ -5999,13 +6127,28 @@
           </a:lstStyle>
           <a:p>
             <a:r>
-              <a:rPr lang="en-US" dirty="0"/>
+              <a:rPr lang="en-US" b="1" dirty="0">
+                <a:effectLst>
+                  <a:outerShdw blurRad="38100" dist="38100" dir="2700000" algn="tl">
+                    <a:srgbClr val="000000">
+                      <a:alpha val="43137"/>
+                    </a:srgbClr>
+                  </a:outerShdw>
+                </a:effectLst>
+              </a:rPr>
               <a:t>poll(2) system call</a:t>
             </a:r>
             <a:endParaRPr lang="en-US" b="1" i="1" dirty="0">
               <a:solidFill>
                 <a:srgbClr val="0070C0"/>
               </a:solidFill>
+              <a:effectLst>
+                <a:outerShdw blurRad="38100" dist="38100" dir="2700000" algn="tl">
+                  <a:srgbClr val="000000">
+                    <a:alpha val="43137"/>
+                  </a:srgbClr>
+                </a:outerShdw>
+              </a:effectLst>
               <a:latin typeface="Consolas" panose="020B0609020204030204" pitchFamily="49" charset="0"/>
               <a:cs typeface="Consolas" panose="020B0609020204030204" pitchFamily="49" charset="0"/>
             </a:endParaRPr>
@@ -6606,13 +6749,28 @@
           </a:lstStyle>
           <a:p>
             <a:r>
-              <a:rPr lang="en-US" dirty="0"/>
+              <a:rPr lang="en-US" b="1" dirty="0">
+                <a:effectLst>
+                  <a:outerShdw blurRad="38100" dist="38100" dir="2700000" algn="tl">
+                    <a:srgbClr val="000000">
+                      <a:alpha val="43137"/>
+                    </a:srgbClr>
+                  </a:outerShdw>
+                </a:effectLst>
+              </a:rPr>
               <a:t>poll(2) system call</a:t>
             </a:r>
             <a:endParaRPr lang="en-US" b="1" i="1" dirty="0">
               <a:solidFill>
                 <a:srgbClr val="0070C0"/>
               </a:solidFill>
+              <a:effectLst>
+                <a:outerShdw blurRad="38100" dist="38100" dir="2700000" algn="tl">
+                  <a:srgbClr val="000000">
+                    <a:alpha val="43137"/>
+                  </a:srgbClr>
+                </a:outerShdw>
+              </a:effectLst>
               <a:latin typeface="Consolas" panose="020B0609020204030204" pitchFamily="49" charset="0"/>
               <a:cs typeface="Consolas" panose="020B0609020204030204" pitchFamily="49" charset="0"/>
             </a:endParaRPr>
@@ -7163,13 +7321,28 @@
           </a:lstStyle>
           <a:p>
             <a:r>
-              <a:rPr lang="en-US" dirty="0"/>
+              <a:rPr lang="en-US" b="1" dirty="0">
+                <a:effectLst>
+                  <a:outerShdw blurRad="38100" dist="38100" dir="2700000" algn="tl">
+                    <a:srgbClr val="000000">
+                      <a:alpha val="43137"/>
+                    </a:srgbClr>
+                  </a:outerShdw>
+                </a:effectLst>
+              </a:rPr>
               <a:t>poll(2) system call</a:t>
             </a:r>
             <a:endParaRPr lang="en-US" b="1" i="1" dirty="0">
               <a:solidFill>
                 <a:srgbClr val="0070C0"/>
               </a:solidFill>
+              <a:effectLst>
+                <a:outerShdw blurRad="38100" dist="38100" dir="2700000" algn="tl">
+                  <a:srgbClr val="000000">
+                    <a:alpha val="43137"/>
+                  </a:srgbClr>
+                </a:outerShdw>
+              </a:effectLst>
               <a:latin typeface="Consolas" panose="020B0609020204030204" pitchFamily="49" charset="0"/>
               <a:cs typeface="Consolas" panose="020B0609020204030204" pitchFamily="49" charset="0"/>
             </a:endParaRPr>
@@ -7880,11 +8053,27 @@
           </a:lstStyle>
           <a:p>
             <a:r>
-              <a:rPr lang="en-US" dirty="0" err="1"/>
+              <a:rPr lang="en-US" b="1" dirty="0" err="1">
+                <a:effectLst>
+                  <a:outerShdw blurRad="38100" dist="38100" dir="2700000" algn="tl">
+                    <a:srgbClr val="000000">
+                      <a:alpha val="43137"/>
+                    </a:srgbClr>
+                  </a:outerShdw>
+                </a:effectLst>
+              </a:rPr>
               <a:t>Web_Control</a:t>
             </a:r>
             <a:r>
-              <a:rPr lang="en-US" dirty="0"/>
+              <a:rPr lang="en-US" b="1" dirty="0">
+                <a:effectLst>
+                  <a:outerShdw blurRad="38100" dist="38100" dir="2700000" algn="tl">
+                    <a:srgbClr val="000000">
+                      <a:alpha val="43137"/>
+                    </a:srgbClr>
+                  </a:outerShdw>
+                </a:effectLst>
+              </a:rPr>
               <a:t> project</a:t>
             </a:r>
           </a:p>
@@ -8197,13 +8386,28 @@
           </a:lstStyle>
           <a:p>
             <a:r>
-              <a:rPr lang="en-US" dirty="0"/>
+              <a:rPr lang="en-US" b="1" dirty="0">
+                <a:effectLst>
+                  <a:outerShdw blurRad="38100" dist="38100" dir="2700000" algn="tl">
+                    <a:srgbClr val="000000">
+                      <a:alpha val="43137"/>
+                    </a:srgbClr>
+                  </a:outerShdw>
+                </a:effectLst>
+              </a:rPr>
               <a:t>Compile Source Codes</a:t>
             </a:r>
             <a:endParaRPr lang="en-US" b="1" i="1" dirty="0">
               <a:solidFill>
                 <a:srgbClr val="0070C0"/>
               </a:solidFill>
+              <a:effectLst>
+                <a:outerShdw blurRad="38100" dist="38100" dir="2700000" algn="tl">
+                  <a:srgbClr val="000000">
+                    <a:alpha val="43137"/>
+                  </a:srgbClr>
+                </a:outerShdw>
+              </a:effectLst>
               <a:latin typeface="Consolas" panose="020B0609020204030204" pitchFamily="49" charset="0"/>
               <a:cs typeface="Consolas" panose="020B0609020204030204" pitchFamily="49" charset="0"/>
             </a:endParaRPr>
@@ -8643,13 +8847,28 @@
           </a:lstStyle>
           <a:p>
             <a:r>
-              <a:rPr lang="en-US" dirty="0"/>
+              <a:rPr lang="en-US" b="1" dirty="0">
+                <a:effectLst>
+                  <a:outerShdw blurRad="38100" dist="38100" dir="2700000" algn="tl">
+                    <a:srgbClr val="000000">
+                      <a:alpha val="43137"/>
+                    </a:srgbClr>
+                  </a:outerShdw>
+                </a:effectLst>
+              </a:rPr>
               <a:t>Test Run</a:t>
             </a:r>
             <a:endParaRPr lang="en-US" b="1" i="1" dirty="0">
               <a:solidFill>
                 <a:srgbClr val="0070C0"/>
               </a:solidFill>
+              <a:effectLst>
+                <a:outerShdw blurRad="38100" dist="38100" dir="2700000" algn="tl">
+                  <a:srgbClr val="000000">
+                    <a:alpha val="43137"/>
+                  </a:srgbClr>
+                </a:outerShdw>
+              </a:effectLst>
               <a:latin typeface="Consolas" panose="020B0609020204030204" pitchFamily="49" charset="0"/>
               <a:cs typeface="Consolas" panose="020B0609020204030204" pitchFamily="49" charset="0"/>
             </a:endParaRPr>
@@ -9329,13 +9548,28 @@
           </a:lstStyle>
           <a:p>
             <a:r>
-              <a:rPr lang="en-US" dirty="0"/>
+              <a:rPr lang="en-US" b="1" dirty="0">
+                <a:effectLst>
+                  <a:outerShdw blurRad="38100" dist="38100" dir="2700000" algn="tl">
+                    <a:srgbClr val="000000">
+                      <a:alpha val="43137"/>
+                    </a:srgbClr>
+                  </a:outerShdw>
+                </a:effectLst>
+              </a:rPr>
               <a:t>Test Run</a:t>
             </a:r>
             <a:endParaRPr lang="en-US" b="1" i="1" dirty="0">
               <a:solidFill>
                 <a:srgbClr val="0070C0"/>
               </a:solidFill>
+              <a:effectLst>
+                <a:outerShdw blurRad="38100" dist="38100" dir="2700000" algn="tl">
+                  <a:srgbClr val="000000">
+                    <a:alpha val="43137"/>
+                  </a:srgbClr>
+                </a:outerShdw>
+              </a:effectLst>
               <a:latin typeface="Consolas" panose="020B0609020204030204" pitchFamily="49" charset="0"/>
               <a:cs typeface="Consolas" panose="020B0609020204030204" pitchFamily="49" charset="0"/>
             </a:endParaRPr>
@@ -10086,13 +10320,28 @@
           </a:lstStyle>
           <a:p>
             <a:r>
-              <a:rPr lang="en-US" dirty="0"/>
+              <a:rPr lang="en-US" b="1" dirty="0">
+                <a:effectLst>
+                  <a:outerShdw blurRad="38100" dist="38100" dir="2700000" algn="tl">
+                    <a:srgbClr val="000000">
+                      <a:alpha val="43137"/>
+                    </a:srgbClr>
+                  </a:outerShdw>
+                </a:effectLst>
+              </a:rPr>
               <a:t>Test Run</a:t>
             </a:r>
             <a:endParaRPr lang="en-US" b="1" i="1" dirty="0">
               <a:solidFill>
                 <a:srgbClr val="0070C0"/>
               </a:solidFill>
+              <a:effectLst>
+                <a:outerShdw blurRad="38100" dist="38100" dir="2700000" algn="tl">
+                  <a:srgbClr val="000000">
+                    <a:alpha val="43137"/>
+                  </a:srgbClr>
+                </a:outerShdw>
+              </a:effectLst>
               <a:latin typeface="Consolas" panose="020B0609020204030204" pitchFamily="49" charset="0"/>
               <a:cs typeface="Consolas" panose="020B0609020204030204" pitchFamily="49" charset="0"/>
             </a:endParaRPr>
@@ -11039,13 +11288,28 @@
           </a:lstStyle>
           <a:p>
             <a:r>
-              <a:rPr lang="en-US" dirty="0"/>
+              <a:rPr lang="en-US" b="1" dirty="0">
+                <a:effectLst>
+                  <a:outerShdw blurRad="38100" dist="38100" dir="2700000" algn="tl">
+                    <a:srgbClr val="000000">
+                      <a:alpha val="43137"/>
+                    </a:srgbClr>
+                  </a:outerShdw>
+                </a:effectLst>
+              </a:rPr>
               <a:t>Test Run</a:t>
             </a:r>
             <a:endParaRPr lang="en-US" b="1" i="1" dirty="0">
               <a:solidFill>
                 <a:srgbClr val="0070C0"/>
               </a:solidFill>
+              <a:effectLst>
+                <a:outerShdw blurRad="38100" dist="38100" dir="2700000" algn="tl">
+                  <a:srgbClr val="000000">
+                    <a:alpha val="43137"/>
+                  </a:srgbClr>
+                </a:outerShdw>
+              </a:effectLst>
               <a:latin typeface="Consolas" panose="020B0609020204030204" pitchFamily="49" charset="0"/>
               <a:cs typeface="Consolas" panose="020B0609020204030204" pitchFamily="49" charset="0"/>
             </a:endParaRPr>
@@ -12053,13 +12317,28 @@
           </a:lstStyle>
           <a:p>
             <a:r>
-              <a:rPr lang="en-US" dirty="0"/>
+              <a:rPr lang="en-US" b="1" dirty="0">
+                <a:effectLst>
+                  <a:outerShdw blurRad="38100" dist="38100" dir="2700000" algn="tl">
+                    <a:srgbClr val="000000">
+                      <a:alpha val="43137"/>
+                    </a:srgbClr>
+                  </a:outerShdw>
+                </a:effectLst>
+              </a:rPr>
               <a:t>Test Run</a:t>
             </a:r>
             <a:endParaRPr lang="en-US" b="1" i="1" dirty="0">
               <a:solidFill>
                 <a:srgbClr val="0070C0"/>
               </a:solidFill>
+              <a:effectLst>
+                <a:outerShdw blurRad="38100" dist="38100" dir="2700000" algn="tl">
+                  <a:srgbClr val="000000">
+                    <a:alpha val="43137"/>
+                  </a:srgbClr>
+                </a:outerShdw>
+              </a:effectLst>
               <a:latin typeface="Consolas" panose="020B0609020204030204" pitchFamily="49" charset="0"/>
               <a:cs typeface="Consolas" panose="020B0609020204030204" pitchFamily="49" charset="0"/>
             </a:endParaRPr>
@@ -12907,13 +13186,28 @@
           </a:lstStyle>
           <a:p>
             <a:r>
-              <a:rPr lang="en-US" dirty="0"/>
+              <a:rPr lang="en-US" b="1" dirty="0">
+                <a:effectLst>
+                  <a:outerShdw blurRad="38100" dist="38100" dir="2700000" algn="tl">
+                    <a:srgbClr val="000000">
+                      <a:alpha val="43137"/>
+                    </a:srgbClr>
+                  </a:outerShdw>
+                </a:effectLst>
+              </a:rPr>
               <a:t>Test Run</a:t>
             </a:r>
             <a:endParaRPr lang="en-US" b="1" i="1" dirty="0">
               <a:solidFill>
                 <a:srgbClr val="0070C0"/>
               </a:solidFill>
+              <a:effectLst>
+                <a:outerShdw blurRad="38100" dist="38100" dir="2700000" algn="tl">
+                  <a:srgbClr val="000000">
+                    <a:alpha val="43137"/>
+                  </a:srgbClr>
+                </a:outerShdw>
+              </a:effectLst>
               <a:latin typeface="Consolas" panose="020B0609020204030204" pitchFamily="49" charset="0"/>
               <a:cs typeface="Consolas" panose="020B0609020204030204" pitchFamily="49" charset="0"/>
             </a:endParaRPr>
@@ -13708,13 +14002,28 @@
           </a:lstStyle>
           <a:p>
             <a:r>
-              <a:rPr lang="en-US" dirty="0"/>
+              <a:rPr lang="en-US" b="1" dirty="0">
+                <a:effectLst>
+                  <a:outerShdw blurRad="38100" dist="38100" dir="2700000" algn="tl">
+                    <a:srgbClr val="000000">
+                      <a:alpha val="43137"/>
+                    </a:srgbClr>
+                  </a:outerShdw>
+                </a:effectLst>
+              </a:rPr>
               <a:t>Test Run</a:t>
             </a:r>
             <a:endParaRPr lang="en-US" b="1" i="1" dirty="0">
               <a:solidFill>
                 <a:srgbClr val="0070C0"/>
               </a:solidFill>
+              <a:effectLst>
+                <a:outerShdw blurRad="38100" dist="38100" dir="2700000" algn="tl">
+                  <a:srgbClr val="000000">
+                    <a:alpha val="43137"/>
+                  </a:srgbClr>
+                </a:outerShdw>
+              </a:effectLst>
               <a:latin typeface="Consolas" panose="020B0609020204030204" pitchFamily="49" charset="0"/>
               <a:cs typeface="Consolas" panose="020B0609020204030204" pitchFamily="49" charset="0"/>
             </a:endParaRPr>
@@ -14836,13 +15145,28 @@
           </a:lstStyle>
           <a:p>
             <a:r>
-              <a:rPr lang="en-US" dirty="0"/>
+              <a:rPr lang="en-US" b="1" dirty="0">
+                <a:effectLst>
+                  <a:outerShdw blurRad="38100" dist="38100" dir="2700000" algn="tl">
+                    <a:srgbClr val="000000">
+                      <a:alpha val="43137"/>
+                    </a:srgbClr>
+                  </a:outerShdw>
+                </a:effectLst>
+              </a:rPr>
               <a:t>Test Run</a:t>
             </a:r>
             <a:endParaRPr lang="en-US" b="1" i="1" dirty="0">
               <a:solidFill>
                 <a:srgbClr val="0070C0"/>
               </a:solidFill>
+              <a:effectLst>
+                <a:outerShdw blurRad="38100" dist="38100" dir="2700000" algn="tl">
+                  <a:srgbClr val="000000">
+                    <a:alpha val="43137"/>
+                  </a:srgbClr>
+                </a:outerShdw>
+              </a:effectLst>
               <a:latin typeface="Consolas" panose="020B0609020204030204" pitchFamily="49" charset="0"/>
               <a:cs typeface="Consolas" panose="020B0609020204030204" pitchFamily="49" charset="0"/>
             </a:endParaRPr>
@@ -15887,13 +16211,28 @@
           </a:lstStyle>
           <a:p>
             <a:r>
-              <a:rPr lang="en-US" dirty="0"/>
+              <a:rPr lang="en-US" b="1" dirty="0">
+                <a:effectLst>
+                  <a:outerShdw blurRad="38100" dist="38100" dir="2700000" algn="tl">
+                    <a:srgbClr val="000000">
+                      <a:alpha val="43137"/>
+                    </a:srgbClr>
+                  </a:outerShdw>
+                </a:effectLst>
+              </a:rPr>
               <a:t>Test Run</a:t>
             </a:r>
             <a:endParaRPr lang="en-US" b="1" i="1" dirty="0">
               <a:solidFill>
                 <a:srgbClr val="0070C0"/>
               </a:solidFill>
+              <a:effectLst>
+                <a:outerShdw blurRad="38100" dist="38100" dir="2700000" algn="tl">
+                  <a:srgbClr val="000000">
+                    <a:alpha val="43137"/>
+                  </a:srgbClr>
+                </a:outerShdw>
+              </a:effectLst>
               <a:latin typeface="Consolas" panose="020B0609020204030204" pitchFamily="49" charset="0"/>
               <a:cs typeface="Consolas" panose="020B0609020204030204" pitchFamily="49" charset="0"/>
             </a:endParaRPr>
@@ -16783,11 +17122,27 @@
           </a:lstStyle>
           <a:p>
             <a:r>
-              <a:rPr lang="en-US" dirty="0" err="1"/>
+              <a:rPr lang="en-US" b="1" dirty="0" err="1">
+                <a:effectLst>
+                  <a:outerShdw blurRad="38100" dist="38100" dir="2700000" algn="tl">
+                    <a:srgbClr val="000000">
+                      <a:alpha val="43137"/>
+                    </a:srgbClr>
+                  </a:outerShdw>
+                </a:effectLst>
+              </a:rPr>
               <a:t>Web_Control</a:t>
             </a:r>
             <a:r>
-              <a:rPr lang="en-US" dirty="0"/>
+              <a:rPr lang="en-US" b="1" dirty="0">
+                <a:effectLst>
+                  <a:outerShdw blurRad="38100" dist="38100" dir="2700000" algn="tl">
+                    <a:srgbClr val="000000">
+                      <a:alpha val="43137"/>
+                    </a:srgbClr>
+                  </a:outerShdw>
+                </a:effectLst>
+              </a:rPr>
               <a:t> project</a:t>
             </a:r>
           </a:p>
@@ -17477,17 +17832,50 @@
           </a:lstStyle>
           <a:p>
             <a:r>
-              <a:rPr lang="en-US" dirty="0"/>
+              <a:rPr lang="en-US" b="1" dirty="0">
+                <a:effectLst>
+                  <a:outerShdw blurRad="38100" dist="38100" dir="2700000" algn="tl">
+                    <a:srgbClr val="000000">
+                      <a:alpha val="43137"/>
+                    </a:srgbClr>
+                  </a:outerShdw>
+                </a:effectLst>
+              </a:rPr>
               <a:t>Contact</a:t>
             </a:r>
             <a:r>
-              <a:rPr lang="fa-IR" dirty="0"/>
+              <a:rPr lang="fa-IR" b="1">
+                <a:effectLst>
+                  <a:outerShdw blurRad="38100" dist="38100" dir="2700000" algn="tl">
+                    <a:srgbClr val="000000">
+                      <a:alpha val="43137"/>
+                    </a:srgbClr>
+                  </a:outerShdw>
+                </a:effectLst>
+              </a:rPr>
               <a:t> </a:t>
             </a:r>
             <a:r>
-              <a:rPr lang="en-US" dirty="0"/>
-              <a:t> us</a:t>
-            </a:r>
+              <a:rPr lang="en-US" b="1" smtClean="0">
+                <a:effectLst>
+                  <a:outerShdw blurRad="38100" dist="38100" dir="2700000" algn="tl">
+                    <a:srgbClr val="000000">
+                      <a:alpha val="43137"/>
+                    </a:srgbClr>
+                  </a:outerShdw>
+                </a:effectLst>
+              </a:rPr>
+              <a:t>us</a:t>
+            </a:r>
+            <a:endParaRPr lang="en-US" b="1" dirty="0">
+              <a:effectLst>
+                <a:outerShdw blurRad="38100" dist="38100" dir="2700000" algn="tl">
+                  <a:srgbClr val="000000">
+                    <a:alpha val="43137"/>
+                  </a:srgbClr>
+                </a:outerShdw>
+              </a:effectLst>
+            </a:endParaRPr>
           </a:p>
         </p:txBody>
       </p:sp>
@@ -17802,11 +18190,27 @@
           </a:lstStyle>
           <a:p>
             <a:r>
-              <a:rPr lang="en-US" dirty="0" err="1"/>
+              <a:rPr lang="en-US" b="1" dirty="0" err="1">
+                <a:effectLst>
+                  <a:outerShdw blurRad="38100" dist="38100" dir="2700000" algn="tl">
+                    <a:srgbClr val="000000">
+                      <a:alpha val="43137"/>
+                    </a:srgbClr>
+                  </a:outerShdw>
+                </a:effectLst>
+              </a:rPr>
               <a:t>Web_Control</a:t>
             </a:r>
             <a:r>
-              <a:rPr lang="en-US" dirty="0"/>
+              <a:rPr lang="en-US" b="1" dirty="0">
+                <a:effectLst>
+                  <a:outerShdw blurRad="38100" dist="38100" dir="2700000" algn="tl">
+                    <a:srgbClr val="000000">
+                      <a:alpha val="43137"/>
+                    </a:srgbClr>
+                  </a:outerShdw>
+                </a:effectLst>
+              </a:rPr>
               <a:t> project</a:t>
             </a:r>
           </a:p>
@@ -18469,11 +18873,27 @@
           </a:lstStyle>
           <a:p>
             <a:r>
-              <a:rPr lang="en-US" dirty="0" err="1"/>
+              <a:rPr lang="en-US" b="1" dirty="0" err="1">
+                <a:effectLst>
+                  <a:outerShdw blurRad="38100" dist="38100" dir="2700000" algn="tl">
+                    <a:srgbClr val="000000">
+                      <a:alpha val="43137"/>
+                    </a:srgbClr>
+                  </a:outerShdw>
+                </a:effectLst>
+              </a:rPr>
               <a:t>Web_Control</a:t>
             </a:r>
             <a:r>
-              <a:rPr lang="en-US" dirty="0"/>
+              <a:rPr lang="en-US" b="1" dirty="0">
+                <a:effectLst>
+                  <a:outerShdw blurRad="38100" dist="38100" dir="2700000" algn="tl">
+                    <a:srgbClr val="000000">
+                      <a:alpha val="43137"/>
+                    </a:srgbClr>
+                  </a:outerShdw>
+                </a:effectLst>
+              </a:rPr>
               <a:t> project</a:t>
             </a:r>
           </a:p>
@@ -19233,11 +19653,27 @@
           </a:lstStyle>
           <a:p>
             <a:r>
-              <a:rPr lang="en-US" dirty="0" err="1"/>
+              <a:rPr lang="en-US" b="1" dirty="0" err="1">
+                <a:effectLst>
+                  <a:outerShdw blurRad="38100" dist="38100" dir="2700000" algn="tl">
+                    <a:srgbClr val="000000">
+                      <a:alpha val="43137"/>
+                    </a:srgbClr>
+                  </a:outerShdw>
+                </a:effectLst>
+              </a:rPr>
               <a:t>Web_Control</a:t>
             </a:r>
             <a:r>
-              <a:rPr lang="en-US" dirty="0"/>
+              <a:rPr lang="en-US" b="1" dirty="0">
+                <a:effectLst>
+                  <a:outerShdw blurRad="38100" dist="38100" dir="2700000" algn="tl">
+                    <a:srgbClr val="000000">
+                      <a:alpha val="43137"/>
+                    </a:srgbClr>
+                  </a:outerShdw>
+                </a:effectLst>
+              </a:rPr>
               <a:t> project</a:t>
             </a:r>
           </a:p>
@@ -19660,11 +20096,27 @@
           </a:lstStyle>
           <a:p>
             <a:r>
-              <a:rPr lang="en-US" dirty="0" err="1"/>
+              <a:rPr lang="en-US" b="1" dirty="0" err="1">
+                <a:effectLst>
+                  <a:outerShdw blurRad="38100" dist="38100" dir="2700000" algn="tl">
+                    <a:srgbClr val="000000">
+                      <a:alpha val="43137"/>
+                    </a:srgbClr>
+                  </a:outerShdw>
+                </a:effectLst>
+              </a:rPr>
               <a:t>Web_Control</a:t>
             </a:r>
             <a:r>
-              <a:rPr lang="en-US" dirty="0"/>
+              <a:rPr lang="en-US" b="1" dirty="0">
+                <a:effectLst>
+                  <a:outerShdw blurRad="38100" dist="38100" dir="2700000" algn="tl">
+                    <a:srgbClr val="000000">
+                      <a:alpha val="43137"/>
+                    </a:srgbClr>
+                  </a:outerShdw>
+                </a:effectLst>
+              </a:rPr>
               <a:t> project</a:t>
             </a:r>
           </a:p>
@@ -19899,7 +20351,15 @@
           </a:lstStyle>
           <a:p>
             <a:r>
-              <a:rPr lang="en-US" dirty="0"/>
+              <a:rPr lang="en-US" b="1" dirty="0">
+                <a:effectLst>
+                  <a:outerShdw blurRad="38100" dist="38100" dir="2700000" algn="tl">
+                    <a:srgbClr val="000000">
+                      <a:alpha val="43137"/>
+                    </a:srgbClr>
+                  </a:outerShdw>
+                </a:effectLst>
+              </a:rPr>
               <a:t>dweet.io</a:t>
             </a:r>
           </a:p>
@@ -20245,7 +20705,15 @@
           </a:lstStyle>
           <a:p>
             <a:r>
-              <a:rPr lang="en-US" b="1" dirty="0"/>
+              <a:rPr lang="en-US" b="1" dirty="0">
+                <a:effectLst>
+                  <a:outerShdw blurRad="38100" dist="38100" dir="2700000" algn="tl">
+                    <a:srgbClr val="000000">
+                      <a:alpha val="43137"/>
+                    </a:srgbClr>
+                  </a:outerShdw>
+                </a:effectLst>
+              </a:rPr>
               <a:t>Dweeting</a:t>
             </a:r>
           </a:p>
